--- a/Lecture01/1_Class_Logistics.pptx
+++ b/Lecture01/1_Class_Logistics.pptx
@@ -216,7 +216,7 @@
           <a:p>
             <a:fld id="{CC5F3281-8FB9-473E-A2D4-7CB57B98F8A4}" type="datetimeFigureOut">
               <a:rPr lang="en-US" smtClean="0"/>
-              <a:t>1/29/2023</a:t>
+              <a:t>9/11/2023</a:t>
             </a:fld>
             <a:endParaRPr lang="en-US"/>
           </a:p>
@@ -834,7 +834,7 @@
           <a:p>
             <a:fld id="{7463C41C-A487-0C45-A261-16903102544D}" type="datetimeFigureOut">
               <a:rPr lang="en-US" smtClean="0"/>
-              <a:t>1/29/2023</a:t>
+              <a:t>9/11/2023</a:t>
             </a:fld>
             <a:endParaRPr lang="en-US"/>
           </a:p>
@@ -1090,7 +1090,7 @@
           <a:p>
             <a:fld id="{7463C41C-A487-0C45-A261-16903102544D}" type="datetimeFigureOut">
               <a:rPr lang="en-US" smtClean="0"/>
-              <a:t>1/29/2023</a:t>
+              <a:t>9/11/2023</a:t>
             </a:fld>
             <a:endParaRPr lang="en-US"/>
           </a:p>
@@ -1549,7 +1549,7 @@
           <a:p>
             <a:fld id="{7463C41C-A487-0C45-A261-16903102544D}" type="datetimeFigureOut">
               <a:rPr lang="en-US" smtClean="0"/>
-              <a:t>1/29/2023</a:t>
+              <a:t>9/11/2023</a:t>
             </a:fld>
             <a:endParaRPr lang="en-US"/>
           </a:p>
@@ -1869,7 +1869,7 @@
           <a:p>
             <a:fld id="{7463C41C-A487-0C45-A261-16903102544D}" type="datetimeFigureOut">
               <a:rPr lang="en-US" smtClean="0"/>
-              <a:t>1/29/2023</a:t>
+              <a:t>9/11/2023</a:t>
             </a:fld>
             <a:endParaRPr lang="en-US"/>
           </a:p>
@@ -2318,7 +2318,7 @@
           <a:p>
             <a:fld id="{7463C41C-A487-0C45-A261-16903102544D}" type="datetimeFigureOut">
               <a:rPr lang="en-US" smtClean="0"/>
-              <a:t>1/29/2023</a:t>
+              <a:t>9/11/2023</a:t>
             </a:fld>
             <a:endParaRPr lang="en-US"/>
           </a:p>
@@ -2465,7 +2465,7 @@
           <a:p>
             <a:fld id="{7463C41C-A487-0C45-A261-16903102544D}" type="datetimeFigureOut">
               <a:rPr lang="en-US" smtClean="0"/>
-              <a:t>1/29/2023</a:t>
+              <a:t>9/11/2023</a:t>
             </a:fld>
             <a:endParaRPr lang="en-US"/>
           </a:p>
@@ -2575,7 +2575,7 @@
           <a:p>
             <a:fld id="{7463C41C-A487-0C45-A261-16903102544D}" type="datetimeFigureOut">
               <a:rPr lang="en-US" smtClean="0"/>
-              <a:t>1/29/2023</a:t>
+              <a:t>9/11/2023</a:t>
             </a:fld>
             <a:endParaRPr lang="en-US"/>
           </a:p>
@@ -2865,7 +2865,7 @@
           <a:p>
             <a:fld id="{7463C41C-A487-0C45-A261-16903102544D}" type="datetimeFigureOut">
               <a:rPr lang="en-US" smtClean="0"/>
-              <a:t>1/29/2023</a:t>
+              <a:t>9/11/2023</a:t>
             </a:fld>
             <a:endParaRPr lang="en-US"/>
           </a:p>
@@ -3313,7 +3313,7 @@
           <a:p>
             <a:fld id="{7463C41C-A487-0C45-A261-16903102544D}" type="datetimeFigureOut">
               <a:rPr lang="en-US" smtClean="0"/>
-              <a:t>1/29/2023</a:t>
+              <a:t>9/11/2023</a:t>
             </a:fld>
             <a:endParaRPr lang="en-US"/>
           </a:p>
@@ -4352,13 +4352,8 @@
             <a:pPr lvl="1"/>
             <a:r>
               <a:rPr lang="en-US" dirty="0"/>
-              <a:t>Overview of the Topics </a:t>
-            </a:r>
-            <a:r>
-              <a:rPr lang="en-US"/>
-              <a:t>Index Spreadsheet</a:t>
-            </a:r>
-            <a:endParaRPr lang="en-US" dirty="0"/>
+              <a:t>Overview of the Topics Index Spreadsheet</a:t>
+            </a:r>
           </a:p>
           <a:p>
             <a:endParaRPr lang="en-US" dirty="0"/>
@@ -4503,7 +4498,7 @@
           <a:p>
             <a:r>
               <a:rPr lang="en-US" dirty="0"/>
-              <a:t>At the end of some lectures, we will spend some time doing some Python and data science coding exercises.</a:t>
+              <a:t>At the end of some lectures, we may spend some time doing some Python and data science coding exercises.</a:t>
             </a:r>
           </a:p>
           <a:p>
@@ -4619,7 +4614,7 @@
           <a:p>
             <a:r>
               <a:rPr lang="en-US" dirty="0"/>
-              <a:t>Homework is submitted to the grader via email, CC the instructor.</a:t>
+              <a:t>Homework is submitted to the instructor and grader (if one is assigned) via email.</a:t>
             </a:r>
           </a:p>
         </p:txBody>

--- a/Lecture01/1_Class_Logistics.pptx
+++ b/Lecture01/1_Class_Logistics.pptx
@@ -13,9 +13,9 @@
     <p:sldId id="281" r:id="rId4"/>
     <p:sldId id="258" r:id="rId5"/>
     <p:sldId id="284" r:id="rId6"/>
-    <p:sldId id="359" r:id="rId7"/>
-    <p:sldId id="358" r:id="rId8"/>
-    <p:sldId id="360" r:id="rId9"/>
+    <p:sldId id="358" r:id="rId7"/>
+    <p:sldId id="360" r:id="rId8"/>
+    <p:sldId id="362" r:id="rId9"/>
     <p:sldId id="361" r:id="rId10"/>
   </p:sldIdLst>
   <p:sldSz cx="9144000" cy="5143500" type="screen16x9"/>
@@ -216,7 +216,7 @@
           <a:p>
             <a:fld id="{CC5F3281-8FB9-473E-A2D4-7CB57B98F8A4}" type="datetimeFigureOut">
               <a:rPr lang="en-US" smtClean="0"/>
-              <a:t>9/11/2023</a:t>
+              <a:t>1/27/2024</a:t>
             </a:fld>
             <a:endParaRPr lang="en-US"/>
           </a:p>
@@ -834,7 +834,7 @@
           <a:p>
             <a:fld id="{7463C41C-A487-0C45-A261-16903102544D}" type="datetimeFigureOut">
               <a:rPr lang="en-US" smtClean="0"/>
-              <a:t>9/11/2023</a:t>
+              <a:t>1/27/2024</a:t>
             </a:fld>
             <a:endParaRPr lang="en-US"/>
           </a:p>
@@ -1090,7 +1090,7 @@
           <a:p>
             <a:fld id="{7463C41C-A487-0C45-A261-16903102544D}" type="datetimeFigureOut">
               <a:rPr lang="en-US" smtClean="0"/>
-              <a:t>9/11/2023</a:t>
+              <a:t>1/27/2024</a:t>
             </a:fld>
             <a:endParaRPr lang="en-US"/>
           </a:p>
@@ -1549,7 +1549,7 @@
           <a:p>
             <a:fld id="{7463C41C-A487-0C45-A261-16903102544D}" type="datetimeFigureOut">
               <a:rPr lang="en-US" smtClean="0"/>
-              <a:t>9/11/2023</a:t>
+              <a:t>1/27/2024</a:t>
             </a:fld>
             <a:endParaRPr lang="en-US"/>
           </a:p>
@@ -1869,7 +1869,7 @@
           <a:p>
             <a:fld id="{7463C41C-A487-0C45-A261-16903102544D}" type="datetimeFigureOut">
               <a:rPr lang="en-US" smtClean="0"/>
-              <a:t>9/11/2023</a:t>
+              <a:t>1/27/2024</a:t>
             </a:fld>
             <a:endParaRPr lang="en-US"/>
           </a:p>
@@ -2318,7 +2318,7 @@
           <a:p>
             <a:fld id="{7463C41C-A487-0C45-A261-16903102544D}" type="datetimeFigureOut">
               <a:rPr lang="en-US" smtClean="0"/>
-              <a:t>9/11/2023</a:t>
+              <a:t>1/27/2024</a:t>
             </a:fld>
             <a:endParaRPr lang="en-US"/>
           </a:p>
@@ -2465,7 +2465,7 @@
           <a:p>
             <a:fld id="{7463C41C-A487-0C45-A261-16903102544D}" type="datetimeFigureOut">
               <a:rPr lang="en-US" smtClean="0"/>
-              <a:t>9/11/2023</a:t>
+              <a:t>1/27/2024</a:t>
             </a:fld>
             <a:endParaRPr lang="en-US"/>
           </a:p>
@@ -2575,7 +2575,7 @@
           <a:p>
             <a:fld id="{7463C41C-A487-0C45-A261-16903102544D}" type="datetimeFigureOut">
               <a:rPr lang="en-US" smtClean="0"/>
-              <a:t>9/11/2023</a:t>
+              <a:t>1/27/2024</a:t>
             </a:fld>
             <a:endParaRPr lang="en-US"/>
           </a:p>
@@ -2865,7 +2865,7 @@
           <a:p>
             <a:fld id="{7463C41C-A487-0C45-A261-16903102544D}" type="datetimeFigureOut">
               <a:rPr lang="en-US" smtClean="0"/>
-              <a:t>9/11/2023</a:t>
+              <a:t>1/27/2024</a:t>
             </a:fld>
             <a:endParaRPr lang="en-US"/>
           </a:p>
@@ -3313,7 +3313,7 @@
           <a:p>
             <a:fld id="{7463C41C-A487-0C45-A261-16903102544D}" type="datetimeFigureOut">
               <a:rPr lang="en-US" smtClean="0"/>
-              <a:t>9/11/2023</a:t>
+              <a:t>1/27/2024</a:t>
             </a:fld>
             <a:endParaRPr lang="en-US"/>
           </a:p>
@@ -4452,7 +4452,7 @@
           <p:cNvPr id="2" name="Title 1">
             <a:extLst>
               <a:ext uri="{FF2B5EF4-FFF2-40B4-BE49-F238E27FC236}">
-                <a16:creationId xmlns:a16="http://schemas.microsoft.com/office/drawing/2014/main" id="{8D069267-FD52-6C5B-7594-E89314ED3228}"/>
+                <a16:creationId xmlns:a16="http://schemas.microsoft.com/office/drawing/2014/main" id="{E123E291-8BB6-A55E-4D08-BA482D96C08F}"/>
               </a:ext>
             </a:extLst>
           </p:cNvPr>
@@ -4469,9 +4469,10 @@
           <a:lstStyle/>
           <a:p>
             <a:r>
-              <a:rPr lang="en-US" dirty="0"/>
-              <a:t>Mini Labs</a:t>
-            </a:r>
+              <a:rPr lang="en-US" dirty="0" err="1"/>
+              <a:t>Homeworks</a:t>
+            </a:r>
+            <a:endParaRPr lang="en-US" dirty="0"/>
           </a:p>
         </p:txBody>
       </p:sp>
@@ -4480,7 +4481,7 @@
           <p:cNvPr id="3" name="Content Placeholder 2">
             <a:extLst>
               <a:ext uri="{FF2B5EF4-FFF2-40B4-BE49-F238E27FC236}">
-                <a16:creationId xmlns:a16="http://schemas.microsoft.com/office/drawing/2014/main" id="{71EAAB0D-C951-64AF-4F0F-2083E015DC2C}"/>
+                <a16:creationId xmlns:a16="http://schemas.microsoft.com/office/drawing/2014/main" id="{885A832D-6F2B-579C-642E-F3DEC3F2D932}"/>
               </a:ext>
             </a:extLst>
           </p:cNvPr>
@@ -4498,18 +4499,41 @@
           <a:p>
             <a:r>
               <a:rPr lang="en-US" dirty="0"/>
-              <a:t>At the end of some lectures, we may spend some time doing some Python and data science coding exercises.</a:t>
+              <a:t>Typically, you will have 2 weeks to do and submit the homework.</a:t>
             </a:r>
           </a:p>
           <a:p>
             <a:endParaRPr lang="en-US" dirty="0"/>
+          </a:p>
+          <a:p>
+            <a:r>
+              <a:rPr lang="en-US" dirty="0"/>
+              <a:t>Homework will be posted in the </a:t>
+            </a:r>
+            <a:r>
+              <a:rPr lang="en-US" dirty="0" err="1"/>
+              <a:t>Github</a:t>
+            </a:r>
+            <a:r>
+              <a:rPr lang="en-US" dirty="0"/>
+              <a:t> page.</a:t>
+            </a:r>
+          </a:p>
+          <a:p>
+            <a:endParaRPr lang="en-US" dirty="0"/>
+          </a:p>
+          <a:p>
+            <a:r>
+              <a:rPr lang="en-US" dirty="0"/>
+              <a:t>Homework is submitted to the instructor and grader (if one is assigned) via email.</a:t>
+            </a:r>
           </a:p>
         </p:txBody>
       </p:sp>
     </p:spTree>
     <p:extLst>
       <p:ext uri="{BB962C8B-B14F-4D97-AF65-F5344CB8AC3E}">
-        <p14:creationId xmlns:p14="http://schemas.microsoft.com/office/powerpoint/2010/main" val="3019012086"/>
+        <p14:creationId xmlns:p14="http://schemas.microsoft.com/office/powerpoint/2010/main" val="3744269252"/>
       </p:ext>
     </p:extLst>
   </p:cSld>
@@ -4541,7 +4565,7 @@
           <p:cNvPr id="2" name="Title 1">
             <a:extLst>
               <a:ext uri="{FF2B5EF4-FFF2-40B4-BE49-F238E27FC236}">
-                <a16:creationId xmlns:a16="http://schemas.microsoft.com/office/drawing/2014/main" id="{E123E291-8BB6-A55E-4D08-BA482D96C08F}"/>
+                <a16:creationId xmlns:a16="http://schemas.microsoft.com/office/drawing/2014/main" id="{7E687BE9-52A2-A195-D66C-60058E2BD9E5}"/>
               </a:ext>
             </a:extLst>
           </p:cNvPr>
@@ -4558,10 +4582,9 @@
           <a:lstStyle/>
           <a:p>
             <a:r>
-              <a:rPr lang="en-US" dirty="0" err="1"/>
-              <a:t>Homeworks</a:t>
-            </a:r>
-            <a:endParaRPr lang="en-US" dirty="0"/>
+              <a:rPr lang="en-US" dirty="0"/>
+              <a:t>Projects</a:t>
+            </a:r>
           </a:p>
         </p:txBody>
       </p:sp>
@@ -4570,7 +4593,7 @@
           <p:cNvPr id="3" name="Content Placeholder 2">
             <a:extLst>
               <a:ext uri="{FF2B5EF4-FFF2-40B4-BE49-F238E27FC236}">
-                <a16:creationId xmlns:a16="http://schemas.microsoft.com/office/drawing/2014/main" id="{885A832D-6F2B-579C-642E-F3DEC3F2D932}"/>
+                <a16:creationId xmlns:a16="http://schemas.microsoft.com/office/drawing/2014/main" id="{129958E8-1844-D2DD-C45C-786301CC1C38}"/>
               </a:ext>
             </a:extLst>
           </p:cNvPr>
@@ -4581,23 +4604,21 @@
             <p:ph idx="1"/>
           </p:nvPr>
         </p:nvSpPr>
-        <p:spPr/>
-        <p:txBody>
-          <a:bodyPr/>
+        <p:spPr>
+          <a:xfrm>
+            <a:off x="457200" y="732866"/>
+            <a:ext cx="7422776" cy="3861758"/>
+          </a:xfrm>
+        </p:spPr>
+        <p:txBody>
+          <a:bodyPr>
+            <a:normAutofit fontScale="92500" lnSpcReduction="20000"/>
+          </a:bodyPr>
           <a:lstStyle/>
           <a:p>
             <a:r>
               <a:rPr lang="en-US" dirty="0"/>
-              <a:t>Typically, you will have 2 weeks to do and submit the homework.</a:t>
-            </a:r>
-          </a:p>
-          <a:p>
-            <a:endParaRPr lang="en-US" dirty="0"/>
-          </a:p>
-          <a:p>
-            <a:r>
-              <a:rPr lang="en-US" dirty="0"/>
-              <a:t>Homework will be posted in the </a:t>
+              <a:t>Posted on the </a:t>
             </a:r>
             <a:r>
               <a:rPr lang="en-US" dirty="0" err="1"/>
@@ -4614,15 +4635,41 @@
           <a:p>
             <a:r>
               <a:rPr lang="en-US" dirty="0"/>
-              <a:t>Homework is submitted to the instructor and grader (if one is assigned) via email.</a:t>
-            </a:r>
+              <a:t>Project 1: Similar to the homework but longer and more complicated. Submit the project to the grader via email, CC the instructor.</a:t>
+            </a:r>
+          </a:p>
+          <a:p>
+            <a:endParaRPr lang="en-US" dirty="0"/>
+          </a:p>
+          <a:p>
+            <a:r>
+              <a:rPr lang="en-US" dirty="0"/>
+              <a:t>Project 2: </a:t>
+            </a:r>
+          </a:p>
+          <a:p>
+            <a:pPr lvl="1"/>
+            <a:r>
+              <a:rPr lang="en-US" dirty="0"/>
+              <a:t>Topic and dataset of your choosing with help of the instructor.</a:t>
+            </a:r>
+          </a:p>
+          <a:p>
+            <a:pPr lvl="1"/>
+            <a:r>
+              <a:rPr lang="en-US" dirty="0"/>
+              <a:t>10-minute Presentation at the end of the class. </a:t>
+            </a:r>
+          </a:p>
+          <a:p>
+            <a:endParaRPr lang="en-US" dirty="0"/>
           </a:p>
         </p:txBody>
       </p:sp>
     </p:spTree>
     <p:extLst>
       <p:ext uri="{BB962C8B-B14F-4D97-AF65-F5344CB8AC3E}">
-        <p14:creationId xmlns:p14="http://schemas.microsoft.com/office/powerpoint/2010/main" val="3744269252"/>
+        <p14:creationId xmlns:p14="http://schemas.microsoft.com/office/powerpoint/2010/main" val="3838240871"/>
       </p:ext>
     </p:extLst>
   </p:cSld>
@@ -4654,7 +4701,7 @@
           <p:cNvPr id="2" name="Title 1">
             <a:extLst>
               <a:ext uri="{FF2B5EF4-FFF2-40B4-BE49-F238E27FC236}">
-                <a16:creationId xmlns:a16="http://schemas.microsoft.com/office/drawing/2014/main" id="{7E687BE9-52A2-A195-D66C-60058E2BD9E5}"/>
+                <a16:creationId xmlns:a16="http://schemas.microsoft.com/office/drawing/2014/main" id="{6FC6B15A-7A31-6B3F-C142-71D46C82C002}"/>
               </a:ext>
             </a:extLst>
           </p:cNvPr>
@@ -4672,7 +4719,7 @@
           <a:p>
             <a:r>
               <a:rPr lang="en-US" dirty="0"/>
-              <a:t>Projects</a:t>
+              <a:t>Policies</a:t>
             </a:r>
           </a:p>
         </p:txBody>
@@ -4682,7 +4729,7 @@
           <p:cNvPr id="3" name="Content Placeholder 2">
             <a:extLst>
               <a:ext uri="{FF2B5EF4-FFF2-40B4-BE49-F238E27FC236}">
-                <a16:creationId xmlns:a16="http://schemas.microsoft.com/office/drawing/2014/main" id="{129958E8-1844-D2DD-C45C-786301CC1C38}"/>
+                <a16:creationId xmlns:a16="http://schemas.microsoft.com/office/drawing/2014/main" id="{01918417-B5EF-5748-C19D-C1FD76D8369C}"/>
               </a:ext>
             </a:extLst>
           </p:cNvPr>
@@ -4695,59 +4742,132 @@
         </p:nvSpPr>
         <p:spPr>
           <a:xfrm>
-            <a:off x="457200" y="732866"/>
-            <a:ext cx="7422776" cy="3861758"/>
+            <a:off x="457200" y="732865"/>
+            <a:ext cx="8229600" cy="4217269"/>
           </a:xfrm>
         </p:spPr>
         <p:txBody>
           <a:bodyPr>
-            <a:normAutofit fontScale="92500" lnSpcReduction="20000"/>
+            <a:normAutofit fontScale="55000" lnSpcReduction="20000"/>
           </a:bodyPr>
           <a:lstStyle/>
           <a:p>
             <a:r>
               <a:rPr lang="en-US" dirty="0"/>
-              <a:t>Posted on the </a:t>
+              <a:t>Syllabus contains various resources, policies, schedule, and requirements.</a:t>
+            </a:r>
+          </a:p>
+          <a:p>
+            <a:pPr lvl="1"/>
+            <a:r>
+              <a:rPr lang="en-US" dirty="0"/>
+              <a:t>Student resources</a:t>
+            </a:r>
+          </a:p>
+          <a:p>
+            <a:pPr lvl="1"/>
+            <a:r>
+              <a:rPr lang="en-US" dirty="0"/>
+              <a:t>Course Policies</a:t>
+            </a:r>
+          </a:p>
+          <a:p>
+            <a:pPr lvl="1"/>
+            <a:r>
+              <a:rPr lang="en-US" dirty="0"/>
+              <a:t>Policies on incomplete grade and assignments</a:t>
+            </a:r>
+          </a:p>
+          <a:p>
+            <a:pPr lvl="1"/>
+            <a:r>
+              <a:rPr lang="en-US" dirty="0"/>
+              <a:t>Academic Integrity and Honesty</a:t>
+            </a:r>
+          </a:p>
+          <a:p>
+            <a:pPr lvl="1"/>
+            <a:r>
+              <a:rPr lang="en-US" dirty="0"/>
+              <a:t>Diversity</a:t>
+            </a:r>
+          </a:p>
+          <a:p>
+            <a:pPr lvl="1"/>
+            <a:r>
+              <a:rPr lang="en-US" dirty="0"/>
+              <a:t>Student disability services</a:t>
+            </a:r>
+          </a:p>
+          <a:p>
+            <a:pPr lvl="1"/>
+            <a:r>
+              <a:rPr lang="en-US" dirty="0"/>
+              <a:t>Accessibility and Disability Accommodations, Guidance and Resources</a:t>
+            </a:r>
+          </a:p>
+          <a:p>
+            <a:pPr lvl="1"/>
+            <a:r>
+              <a:rPr lang="en-US" dirty="0"/>
+              <a:t>Sexual Assault, Sexual Harassment, and Gender Based Violence and Discrimination </a:t>
+            </a:r>
+          </a:p>
+          <a:p>
+            <a:pPr lvl="1"/>
+            <a:r>
+              <a:rPr lang="en-US" dirty="0"/>
+              <a:t>Faculty and Teaching Assistants Mandatory Reporting Obligations</a:t>
+            </a:r>
+          </a:p>
+          <a:p>
+            <a:pPr lvl="1"/>
+            <a:r>
+              <a:rPr lang="en-US" dirty="0"/>
+              <a:t>Other Policies and resources related to Child abuse; pregnant and parenting student resources; Religious observances &amp; accommodations; and Hate, Bias, Discrimination and Harassment; </a:t>
+            </a:r>
+          </a:p>
+          <a:p>
+            <a:pPr lvl="1"/>
+            <a:endParaRPr lang="en-US" dirty="0"/>
+          </a:p>
+          <a:p>
+            <a:r>
+              <a:rPr lang="en-US"/>
+              <a:t>Use of </a:t>
+            </a:r>
+            <a:r>
+              <a:rPr lang="en-US" dirty="0"/>
+              <a:t>AI Technical Assistance: Use of </a:t>
+            </a:r>
+          </a:p>
+          <a:p>
+            <a:pPr lvl="1"/>
+            <a:r>
+              <a:rPr lang="en-US" dirty="0"/>
+              <a:t>(</a:t>
             </a:r>
             <a:r>
               <a:rPr lang="en-US" dirty="0" err="1"/>
-              <a:t>Github</a:t>
-            </a:r>
-            <a:r>
-              <a:rPr lang="en-US" dirty="0"/>
-              <a:t> page.</a:t>
-            </a:r>
-          </a:p>
-          <a:p>
-            <a:endParaRPr lang="en-US" dirty="0"/>
-          </a:p>
-          <a:p>
-            <a:r>
-              <a:rPr lang="en-US" dirty="0"/>
-              <a:t>Project 1: Similar to the homework but longer and more complicated. Submit the project to the grader via email, CC the instructor.</a:t>
-            </a:r>
-          </a:p>
-          <a:p>
-            <a:endParaRPr lang="en-US" dirty="0"/>
-          </a:p>
-          <a:p>
-            <a:r>
-              <a:rPr lang="en-US" dirty="0"/>
-              <a:t>Project 2: </a:t>
+              <a:t>i</a:t>
+            </a:r>
+            <a:r>
+              <a:rPr lang="en-US" dirty="0"/>
+              <a:t>) any artificial technical assistance (i.e., ChatGPT or other generative technologies) outside of onboard spellcheck and things like Google Scholar, academic library databases, or reference managers and </a:t>
             </a:r>
           </a:p>
           <a:p>
             <a:pPr lvl="1"/>
             <a:r>
               <a:rPr lang="en-US" dirty="0"/>
-              <a:t>Topic and dataset of your choosing with help of the instructor.</a:t>
+              <a:t>(ii) solutions/projects found on the internet are considered academic misconducts and strictly forbidden. </a:t>
             </a:r>
           </a:p>
           <a:p>
             <a:pPr lvl="1"/>
             <a:r>
               <a:rPr lang="en-US" dirty="0"/>
-              <a:t>10-minute Presentation at the end of the class. </a:t>
+              <a:t>If your solutions or reports are determined to be in this category, then you will receive 0 (zero) for that assignment/project.</a:t>
             </a:r>
           </a:p>
           <a:p>
@@ -4758,7 +4878,7 @@
     </p:spTree>
     <p:extLst>
       <p:ext uri="{BB962C8B-B14F-4D97-AF65-F5344CB8AC3E}">
-        <p14:creationId xmlns:p14="http://schemas.microsoft.com/office/powerpoint/2010/main" val="3838240871"/>
+        <p14:creationId xmlns:p14="http://schemas.microsoft.com/office/powerpoint/2010/main" val="2391789650"/>
       </p:ext>
     </p:extLst>
   </p:cSld>

--- a/Lecture01/1_Class_Logistics.pptx
+++ b/Lecture01/1_Class_Logistics.pptx
@@ -216,7 +216,7 @@
           <a:p>
             <a:fld id="{CC5F3281-8FB9-473E-A2D4-7CB57B98F8A4}" type="datetimeFigureOut">
               <a:rPr lang="en-US" smtClean="0"/>
-              <a:t>1/27/2024</a:t>
+              <a:t>9/9/2024</a:t>
             </a:fld>
             <a:endParaRPr lang="en-US"/>
           </a:p>
@@ -481,6 +481,93 @@
     </a:lvl9pPr>
   </p:notesStyle>
 </p:notesMaster>
+</file>
+
+<file path=ppt/notesSlides/notesSlide1.xml><?xml version="1.0" encoding="utf-8"?>
+<p:notes xmlns:a="http://schemas.openxmlformats.org/drawingml/2006/main" xmlns:r="http://schemas.openxmlformats.org/officeDocument/2006/relationships" xmlns:p="http://schemas.openxmlformats.org/presentationml/2006/main">
+  <p:cSld>
+    <p:spTree>
+      <p:nvGrpSpPr>
+        <p:cNvPr id="1" name=""/>
+        <p:cNvGrpSpPr/>
+        <p:nvPr/>
+      </p:nvGrpSpPr>
+      <p:grpSpPr>
+        <a:xfrm>
+          <a:off x="0" y="0"/>
+          <a:ext cx="0" cy="0"/>
+          <a:chOff x="0" y="0"/>
+          <a:chExt cx="0" cy="0"/>
+        </a:xfrm>
+      </p:grpSpPr>
+      <p:sp>
+        <p:nvSpPr>
+          <p:cNvPr id="2" name="Slide Image Placeholder 1"/>
+          <p:cNvSpPr>
+            <a:spLocks noGrp="1" noRot="1" noChangeAspect="1"/>
+          </p:cNvSpPr>
+          <p:nvPr>
+            <p:ph type="sldImg"/>
+          </p:nvPr>
+        </p:nvSpPr>
+        <p:spPr/>
+      </p:sp>
+      <p:sp>
+        <p:nvSpPr>
+          <p:cNvPr id="3" name="Notes Placeholder 2"/>
+          <p:cNvSpPr>
+            <a:spLocks noGrp="1"/>
+          </p:cNvSpPr>
+          <p:nvPr>
+            <p:ph type="body" idx="1"/>
+          </p:nvPr>
+        </p:nvSpPr>
+        <p:spPr/>
+        <p:txBody>
+          <a:bodyPr/>
+          <a:lstStyle/>
+          <a:p>
+            <a:r>
+              <a:rPr lang="en-US" dirty="0"/>
+              <a:t>Data 601 is the basis for future classes. Data science is not difficult but requires time commitment. Missing on topics in Data 601 will show in future classes.</a:t>
+            </a:r>
+          </a:p>
+        </p:txBody>
+      </p:sp>
+      <p:sp>
+        <p:nvSpPr>
+          <p:cNvPr id="4" name="Slide Number Placeholder 3"/>
+          <p:cNvSpPr>
+            <a:spLocks noGrp="1"/>
+          </p:cNvSpPr>
+          <p:nvPr>
+            <p:ph type="sldNum" sz="quarter" idx="5"/>
+          </p:nvPr>
+        </p:nvSpPr>
+        <p:spPr/>
+        <p:txBody>
+          <a:bodyPr/>
+          <a:lstStyle/>
+          <a:p>
+            <a:fld id="{A5B2E1FE-4189-4379-96FB-81743B5C961D}" type="slidenum">
+              <a:rPr lang="en-US" smtClean="0"/>
+              <a:t>8</a:t>
+            </a:fld>
+            <a:endParaRPr lang="en-US"/>
+          </a:p>
+        </p:txBody>
+      </p:sp>
+    </p:spTree>
+    <p:extLst>
+      <p:ext uri="{BB962C8B-B14F-4D97-AF65-F5344CB8AC3E}">
+        <p14:creationId xmlns:p14="http://schemas.microsoft.com/office/powerpoint/2010/main" val="2284500505"/>
+      </p:ext>
+    </p:extLst>
+  </p:cSld>
+  <p:clrMapOvr>
+    <a:masterClrMapping/>
+  </p:clrMapOvr>
+</p:notes>
 </file>
 
 <file path=ppt/slideLayouts/slideLayout1.xml><?xml version="1.0" encoding="utf-8"?>
@@ -834,7 +921,7 @@
           <a:p>
             <a:fld id="{7463C41C-A487-0C45-A261-16903102544D}" type="datetimeFigureOut">
               <a:rPr lang="en-US" smtClean="0"/>
-              <a:t>1/27/2024</a:t>
+              <a:t>9/9/2024</a:t>
             </a:fld>
             <a:endParaRPr lang="en-US"/>
           </a:p>
@@ -1090,7 +1177,7 @@
           <a:p>
             <a:fld id="{7463C41C-A487-0C45-A261-16903102544D}" type="datetimeFigureOut">
               <a:rPr lang="en-US" smtClean="0"/>
-              <a:t>1/27/2024</a:t>
+              <a:t>9/9/2024</a:t>
             </a:fld>
             <a:endParaRPr lang="en-US"/>
           </a:p>
@@ -1549,7 +1636,7 @@
           <a:p>
             <a:fld id="{7463C41C-A487-0C45-A261-16903102544D}" type="datetimeFigureOut">
               <a:rPr lang="en-US" smtClean="0"/>
-              <a:t>1/27/2024</a:t>
+              <a:t>9/9/2024</a:t>
             </a:fld>
             <a:endParaRPr lang="en-US"/>
           </a:p>
@@ -1869,7 +1956,7 @@
           <a:p>
             <a:fld id="{7463C41C-A487-0C45-A261-16903102544D}" type="datetimeFigureOut">
               <a:rPr lang="en-US" smtClean="0"/>
-              <a:t>1/27/2024</a:t>
+              <a:t>9/9/2024</a:t>
             </a:fld>
             <a:endParaRPr lang="en-US"/>
           </a:p>
@@ -2318,7 +2405,7 @@
           <a:p>
             <a:fld id="{7463C41C-A487-0C45-A261-16903102544D}" type="datetimeFigureOut">
               <a:rPr lang="en-US" smtClean="0"/>
-              <a:t>1/27/2024</a:t>
+              <a:t>9/9/2024</a:t>
             </a:fld>
             <a:endParaRPr lang="en-US"/>
           </a:p>
@@ -2465,7 +2552,7 @@
           <a:p>
             <a:fld id="{7463C41C-A487-0C45-A261-16903102544D}" type="datetimeFigureOut">
               <a:rPr lang="en-US" smtClean="0"/>
-              <a:t>1/27/2024</a:t>
+              <a:t>9/9/2024</a:t>
             </a:fld>
             <a:endParaRPr lang="en-US"/>
           </a:p>
@@ -2575,7 +2662,7 @@
           <a:p>
             <a:fld id="{7463C41C-A487-0C45-A261-16903102544D}" type="datetimeFigureOut">
               <a:rPr lang="en-US" smtClean="0"/>
-              <a:t>1/27/2024</a:t>
+              <a:t>9/9/2024</a:t>
             </a:fld>
             <a:endParaRPr lang="en-US"/>
           </a:p>
@@ -2865,7 +2952,7 @@
           <a:p>
             <a:fld id="{7463C41C-A487-0C45-A261-16903102544D}" type="datetimeFigureOut">
               <a:rPr lang="en-US" smtClean="0"/>
-              <a:t>1/27/2024</a:t>
+              <a:t>9/9/2024</a:t>
             </a:fld>
             <a:endParaRPr lang="en-US"/>
           </a:p>
@@ -3313,7 +3400,7 @@
           <a:p>
             <a:fld id="{7463C41C-A487-0C45-A261-16903102544D}" type="datetimeFigureOut">
               <a:rPr lang="en-US" smtClean="0"/>
-              <a:t>1/27/2024</a:t>
+              <a:t>9/9/2024</a:t>
             </a:fld>
             <a:endParaRPr lang="en-US"/>
           </a:p>
@@ -3885,7 +3972,35 @@
           <a:p>
             <a:r>
               <a:rPr lang="en-US" sz="2400" dirty="0"/>
-              <a:t>Office Hours: Prior to class, Mondays 6:30-7:10pm</a:t>
+              <a:t>Office Hours: </a:t>
+            </a:r>
+          </a:p>
+          <a:p>
+            <a:pPr lvl="1"/>
+            <a:r>
+              <a:rPr lang="en-US" sz="2000" dirty="0"/>
+              <a:t>Prior to class, Mondays 6:40-7:10pm</a:t>
+            </a:r>
+          </a:p>
+          <a:p>
+            <a:pPr lvl="1"/>
+            <a:r>
+              <a:rPr lang="en-US" sz="2000" dirty="0"/>
+              <a:t>After class, Mondays 9:40pm+</a:t>
+            </a:r>
+          </a:p>
+          <a:p>
+            <a:pPr lvl="1"/>
+            <a:r>
+              <a:rPr lang="en-US" sz="2000" dirty="0"/>
+              <a:t>Tuesdays 12:00-1:00pm at Virtual Office Link</a:t>
+            </a:r>
+          </a:p>
+          <a:p>
+            <a:pPr lvl="1"/>
+            <a:r>
+              <a:rPr lang="en-US" sz="2000" dirty="0"/>
+              <a:t>Virtual Office by requests via email</a:t>
             </a:r>
           </a:p>
           <a:p>
@@ -3894,23 +4009,16 @@
           <a:p>
             <a:r>
               <a:rPr lang="en-US" sz="2400" dirty="0"/>
-              <a:t>Virtual Office by Request via email.</a:t>
-            </a:r>
-          </a:p>
-          <a:p>
-            <a:pPr lvl="1"/>
-            <a:r>
-              <a:rPr lang="en-US" sz="2000" dirty="0"/>
               <a:t>Virtual Office Link: </a:t>
             </a:r>
             <a:r>
-              <a:rPr lang="en-US" sz="2000" dirty="0">
+              <a:rPr lang="en-US" sz="2400" dirty="0">
                 <a:hlinkClick r:id="rId2"/>
               </a:rPr>
               <a:t>https://umbc.webex.com/meet/fgonzale</a:t>
             </a:r>
             <a:r>
-              <a:rPr lang="en-US" sz="2000" dirty="0"/>
+              <a:rPr lang="en-US" sz="2400" dirty="0"/>
               <a:t> </a:t>
             </a:r>
           </a:p>
@@ -4145,8 +4253,8 @@
         </p:nvSpPr>
         <p:spPr>
           <a:xfrm>
-            <a:off x="77319" y="571501"/>
-            <a:ext cx="8686800" cy="4259948"/>
+            <a:off x="585343" y="571501"/>
+            <a:ext cx="7859410" cy="4259948"/>
           </a:xfrm>
         </p:spPr>
         <p:txBody>
@@ -4220,28 +4328,16 @@
               <a:rPr lang="en-US" sz="1725" dirty="0">
                 <a:cs typeface="Calibri"/>
               </a:rPr>
-              <a:t>Will try to upload material prior to </a:t>
-            </a:r>
-            <a:r>
-              <a:rPr lang="en-US" sz="1725" dirty="0" err="1">
-                <a:cs typeface="Calibri"/>
-              </a:rPr>
-              <a:t>classI</a:t>
-            </a:r>
+              <a:t>Will try to upload material prior to class and value your feedback: </a:t>
+            </a:r>
+          </a:p>
+          <a:p>
+            <a:pPr lvl="1"/>
             <a:r>
               <a:rPr lang="en-US" sz="1725" dirty="0">
                 <a:cs typeface="Calibri"/>
               </a:rPr>
-              <a:t> value your feedback: </a:t>
-            </a:r>
-          </a:p>
-          <a:p>
-            <a:pPr lvl="1"/>
-            <a:r>
-              <a:rPr lang="en-US" sz="1725" dirty="0">
-                <a:cs typeface="Calibri"/>
-              </a:rPr>
-              <a:t>Direct: verbal, email, comment sheet on your desk </a:t>
+              <a:t>Direct: verbal, email, comment sheet on your desk at any point during or after the semester</a:t>
             </a:r>
           </a:p>
           <a:p>
@@ -4494,7 +4590,9 @@
         </p:nvSpPr>
         <p:spPr/>
         <p:txBody>
-          <a:bodyPr/>
+          <a:bodyPr>
+            <a:normAutofit/>
+          </a:bodyPr>
           <a:lstStyle/>
           <a:p>
             <a:r>
@@ -4525,7 +4623,18 @@
           <a:p>
             <a:r>
               <a:rPr lang="en-US" dirty="0"/>
-              <a:t>Homework is submitted to the instructor and grader (if one is assigned) via email.</a:t>
+              <a:t>Homework is submitted to the instructor and grader via email with HW solution with the following name: </a:t>
+            </a:r>
+          </a:p>
+          <a:p>
+            <a:pPr lvl="1"/>
+            <a:r>
+              <a:rPr lang="en-US" dirty="0" err="1"/>
+              <a:t>HWX_LastName.ipynb</a:t>
+            </a:r>
+            <a:r>
+              <a:rPr lang="en-US" dirty="0"/>
+              <a:t>.</a:t>
             </a:r>
           </a:p>
         </p:txBody>
@@ -4833,12 +4942,8 @@
           </a:p>
           <a:p>
             <a:r>
-              <a:rPr lang="en-US"/>
-              <a:t>Use of </a:t>
-            </a:r>
-            <a:r>
-              <a:rPr lang="en-US" dirty="0"/>
-              <a:t>AI Technical Assistance: Use of </a:t>
+              <a:rPr lang="en-US" dirty="0"/>
+              <a:t>Use of AI Technical Assistance: Use of </a:t>
             </a:r>
           </a:p>
           <a:p>
